--- a/Powerpoint and PDF Generation/presentation.pptx
+++ b/Powerpoint and PDF Generation/presentation.pptx
@@ -258,7 +258,7 @@
           <a:lstStyle/>
           <a:p>
             <a:fld id="{23A72DF5-4EB5-7140-AA8F-4E73D12EB0CC}" type="datetimeFigureOut">
-              <a:t>01.08.23</a:t>
+              <a:t>02.08.23</a:t>
             </a:fld>
             <a:endParaRPr lang="de-DE"/>
           </a:p>
@@ -454,7 +454,7 @@
           <a:lstStyle/>
           <a:p>
             <a:fld id="{23A72DF5-4EB5-7140-AA8F-4E73D12EB0CC}" type="datetimeFigureOut">
-              <a:t>01.08.23</a:t>
+              <a:t>02.08.23</a:t>
             </a:fld>
             <a:endParaRPr lang="de-DE"/>
           </a:p>
@@ -660,7 +660,7 @@
           <a:lstStyle/>
           <a:p>
             <a:fld id="{23A72DF5-4EB5-7140-AA8F-4E73D12EB0CC}" type="datetimeFigureOut">
-              <a:t>01.08.23</a:t>
+              <a:t>02.08.23</a:t>
             </a:fld>
             <a:endParaRPr lang="de-DE"/>
           </a:p>
@@ -856,7 +856,7 @@
           <a:lstStyle/>
           <a:p>
             <a:fld id="{23A72DF5-4EB5-7140-AA8F-4E73D12EB0CC}" type="datetimeFigureOut">
-              <a:t>01.08.23</a:t>
+              <a:t>02.08.23</a:t>
             </a:fld>
             <a:endParaRPr lang="de-DE"/>
           </a:p>
@@ -1129,7 +1129,7 @@
           <a:lstStyle/>
           <a:p>
             <a:fld id="{23A72DF5-4EB5-7140-AA8F-4E73D12EB0CC}" type="datetimeFigureOut">
-              <a:t>01.08.23</a:t>
+              <a:t>02.08.23</a:t>
             </a:fld>
             <a:endParaRPr lang="de-DE"/>
           </a:p>
@@ -1392,7 +1392,7 @@
           <a:lstStyle/>
           <a:p>
             <a:fld id="{23A72DF5-4EB5-7140-AA8F-4E73D12EB0CC}" type="datetimeFigureOut">
-              <a:t>01.08.23</a:t>
+              <a:t>02.08.23</a:t>
             </a:fld>
             <a:endParaRPr lang="de-DE"/>
           </a:p>
@@ -1802,7 +1802,7 @@
           <a:lstStyle/>
           <a:p>
             <a:fld id="{23A72DF5-4EB5-7140-AA8F-4E73D12EB0CC}" type="datetimeFigureOut">
-              <a:t>01.08.23</a:t>
+              <a:t>02.08.23</a:t>
             </a:fld>
             <a:endParaRPr lang="de-DE"/>
           </a:p>
@@ -1941,7 +1941,7 @@
           <a:lstStyle/>
           <a:p>
             <a:fld id="{23A72DF5-4EB5-7140-AA8F-4E73D12EB0CC}" type="datetimeFigureOut">
-              <a:t>01.08.23</a:t>
+              <a:t>02.08.23</a:t>
             </a:fld>
             <a:endParaRPr lang="de-DE"/>
           </a:p>
@@ -2052,7 +2052,7 @@
           <a:lstStyle/>
           <a:p>
             <a:fld id="{23A72DF5-4EB5-7140-AA8F-4E73D12EB0CC}" type="datetimeFigureOut">
-              <a:t>01.08.23</a:t>
+              <a:t>02.08.23</a:t>
             </a:fld>
             <a:endParaRPr lang="de-DE"/>
           </a:p>
@@ -2361,7 +2361,7 @@
           <a:lstStyle/>
           <a:p>
             <a:fld id="{23A72DF5-4EB5-7140-AA8F-4E73D12EB0CC}" type="datetimeFigureOut">
-              <a:t>01.08.23</a:t>
+              <a:t>02.08.23</a:t>
             </a:fld>
             <a:endParaRPr lang="de-DE"/>
           </a:p>
@@ -2647,7 +2647,7 @@
           <a:lstStyle/>
           <a:p>
             <a:fld id="{23A72DF5-4EB5-7140-AA8F-4E73D12EB0CC}" type="datetimeFigureOut">
-              <a:t>01.08.23</a:t>
+              <a:t>02.08.23</a:t>
             </a:fld>
             <a:endParaRPr lang="de-DE"/>
           </a:p>
@@ -2886,7 +2886,7 @@
           </a:lstStyle>
           <a:p>
             <a:fld id="{23A72DF5-4EB5-7140-AA8F-4E73D12EB0CC}" type="datetimeFigureOut">
-              <a:t>01.08.23</a:t>
+              <a:t>02.08.23</a:t>
             </a:fld>
             <a:endParaRPr lang="de-DE"/>
           </a:p>
@@ -3318,49 +3318,317 @@
             <p:ph type="ctrTitle"/>
           </p:nvPr>
         </p:nvSpPr>
-        <p:spPr/>
-        <p:txBody>
-          <a:bodyPr/>
-          <a:lstStyle/>
-          <a:p>
+        <p:spPr>
+          <a:xfrm>
+            <a:off x="1524000" y="1122363"/>
+            <a:ext cx="9144000" cy="1218066"/>
+          </a:xfrm>
+        </p:spPr>
+        <p:txBody>
+          <a:bodyPr anchor="t"/>
+          <a:lstStyle/>
+          <a:p>
+            <a:r>
+              <a:rPr lang="de-DE">
+                <a:latin typeface="Roboto" panose="02000000000000000000" pitchFamily="2" charset="0"/>
+                <a:ea typeface="Roboto" panose="02000000000000000000" pitchFamily="2" charset="0"/>
+                <a:cs typeface="Arial" panose="020B0604020202020204" pitchFamily="34" charset="0"/>
+              </a:rPr>
+              <a:t>Hello Roboto Regular</a:t>
+            </a:r>
+          </a:p>
+        </p:txBody>
+      </p:sp>
+      <p:sp>
+        <p:nvSpPr>
+          <p:cNvPr id="3" name="Untertitel 2">
+            <a:extLst>
+              <a:ext uri="{FF2B5EF4-FFF2-40B4-BE49-F238E27FC236}">
+                <a16:creationId xmlns:a16="http://schemas.microsoft.com/office/drawing/2014/main" id="{881A56C7-226C-188A-9954-62054774124B}"/>
+              </a:ext>
+            </a:extLst>
+          </p:cNvPr>
+          <p:cNvSpPr>
+            <a:spLocks noGrp="1"/>
+          </p:cNvSpPr>
+          <p:nvPr>
+            <p:ph type="subTitle" idx="1"/>
+          </p:nvPr>
+        </p:nvSpPr>
+        <p:spPr>
+          <a:xfrm>
+            <a:off x="3559629" y="2709409"/>
+            <a:ext cx="3222171" cy="1655762"/>
+          </a:xfrm>
+        </p:spPr>
+        <p:txBody>
+          <a:bodyPr>
+            <a:normAutofit lnSpcReduction="10000"/>
+          </a:bodyPr>
+          <a:lstStyle/>
+          <a:p>
+            <a:pPr algn="l"/>
+            <a:r>
+              <a:rPr lang="de-DE">
+                <a:latin typeface="Roboto Light" panose="02000000000000000000" pitchFamily="2" charset="0"/>
+                <a:ea typeface="Roboto Light" panose="02000000000000000000" pitchFamily="2" charset="0"/>
+                <a:cs typeface="Arial" panose="020B0604020202020204" pitchFamily="34" charset="0"/>
+              </a:rPr>
+              <a:t>Roboto Light</a:t>
+            </a:r>
+          </a:p>
+          <a:p>
+            <a:pPr algn="l"/>
+            <a:r>
+              <a:rPr lang="de-DE">
+                <a:latin typeface="Roboto" panose="02000000000000000000" pitchFamily="2" charset="0"/>
+                <a:ea typeface="Roboto" panose="02000000000000000000" pitchFamily="2" charset="0"/>
+                <a:cs typeface="Arial" panose="020B0604020202020204" pitchFamily="34" charset="0"/>
+              </a:rPr>
+              <a:t>Roboto Regular</a:t>
+            </a:r>
+          </a:p>
+          <a:p>
+            <a:pPr algn="l"/>
+            <a:r>
+              <a:rPr lang="de-DE">
+                <a:latin typeface="Roboto Medium" panose="02000000000000000000" pitchFamily="2" charset="0"/>
+                <a:ea typeface="Roboto Medium" panose="02000000000000000000" pitchFamily="2" charset="0"/>
+                <a:cs typeface="Arial" panose="020B0604020202020204" pitchFamily="34" charset="0"/>
+              </a:rPr>
+              <a:t>Roboto Medium</a:t>
+            </a:r>
+          </a:p>
+          <a:p>
+            <a:pPr algn="l"/>
+            <a:r>
+              <a:rPr lang="de-DE" b="1">
+                <a:latin typeface="Roboto" panose="02000000000000000000" pitchFamily="2" charset="0"/>
+                <a:ea typeface="Roboto" panose="02000000000000000000" pitchFamily="2" charset="0"/>
+                <a:cs typeface="Arial" panose="020B0604020202020204" pitchFamily="34" charset="0"/>
+              </a:rPr>
+              <a:t>Roboto Bold</a:t>
+            </a:r>
+          </a:p>
+        </p:txBody>
+      </p:sp>
+      <p:sp>
+        <p:nvSpPr>
+          <p:cNvPr id="4" name="Untertitel 2">
+            <a:extLst>
+              <a:ext uri="{FF2B5EF4-FFF2-40B4-BE49-F238E27FC236}">
+                <a16:creationId xmlns:a16="http://schemas.microsoft.com/office/drawing/2014/main" id="{72356EC5-5FBC-1558-E7E0-086E9EAC6992}"/>
+              </a:ext>
+            </a:extLst>
+          </p:cNvPr>
+          <p:cNvSpPr txBox="1">
+            <a:spLocks/>
+          </p:cNvSpPr>
+          <p:nvPr/>
+        </p:nvSpPr>
+        <p:spPr>
+          <a:xfrm>
+            <a:off x="6520543" y="2709409"/>
+            <a:ext cx="3222171" cy="1655762"/>
+          </a:xfrm>
+          <a:prstGeom prst="rect">
+            <a:avLst/>
+          </a:prstGeom>
+        </p:spPr>
+        <p:txBody>
+          <a:bodyPr vert="horz" lIns="91440" tIns="45720" rIns="91440" bIns="45720" rtlCol="0">
+            <a:normAutofit/>
+          </a:bodyPr>
+          <a:lstStyle>
+            <a:lvl1pPr marL="0" indent="0" algn="ctr" defTabSz="914400" rtl="0" eaLnBrk="1" latinLnBrk="0" hangingPunct="1">
+              <a:lnSpc>
+                <a:spcPct val="90000"/>
+              </a:lnSpc>
+              <a:spcBef>
+                <a:spcPts val="1000"/>
+              </a:spcBef>
+              <a:buFont typeface="Arial" panose="020B0604020202020204" pitchFamily="34" charset="0"/>
+              <a:buNone/>
+              <a:defRPr sz="2400" kern="1200">
+                <a:solidFill>
+                  <a:schemeClr val="tx1"/>
+                </a:solidFill>
+                <a:latin typeface="+mn-lt"/>
+                <a:ea typeface="+mn-ea"/>
+                <a:cs typeface="+mn-cs"/>
+              </a:defRPr>
+            </a:lvl1pPr>
+            <a:lvl2pPr marL="457200" indent="0" algn="ctr" defTabSz="914400" rtl="0" eaLnBrk="1" latinLnBrk="0" hangingPunct="1">
+              <a:lnSpc>
+                <a:spcPct val="90000"/>
+              </a:lnSpc>
+              <a:spcBef>
+                <a:spcPts val="500"/>
+              </a:spcBef>
+              <a:buFont typeface="Arial" panose="020B0604020202020204" pitchFamily="34" charset="0"/>
+              <a:buNone/>
+              <a:defRPr sz="2000" kern="1200">
+                <a:solidFill>
+                  <a:schemeClr val="tx1"/>
+                </a:solidFill>
+                <a:latin typeface="+mn-lt"/>
+                <a:ea typeface="+mn-ea"/>
+                <a:cs typeface="+mn-cs"/>
+              </a:defRPr>
+            </a:lvl2pPr>
+            <a:lvl3pPr marL="914400" indent="0" algn="ctr" defTabSz="914400" rtl="0" eaLnBrk="1" latinLnBrk="0" hangingPunct="1">
+              <a:lnSpc>
+                <a:spcPct val="90000"/>
+              </a:lnSpc>
+              <a:spcBef>
+                <a:spcPts val="500"/>
+              </a:spcBef>
+              <a:buFont typeface="Arial" panose="020B0604020202020204" pitchFamily="34" charset="0"/>
+              <a:buNone/>
+              <a:defRPr sz="1800" kern="1200">
+                <a:solidFill>
+                  <a:schemeClr val="tx1"/>
+                </a:solidFill>
+                <a:latin typeface="+mn-lt"/>
+                <a:ea typeface="+mn-ea"/>
+                <a:cs typeface="+mn-cs"/>
+              </a:defRPr>
+            </a:lvl3pPr>
+            <a:lvl4pPr marL="1371600" indent="0" algn="ctr" defTabSz="914400" rtl="0" eaLnBrk="1" latinLnBrk="0" hangingPunct="1">
+              <a:lnSpc>
+                <a:spcPct val="90000"/>
+              </a:lnSpc>
+              <a:spcBef>
+                <a:spcPts val="500"/>
+              </a:spcBef>
+              <a:buFont typeface="Arial" panose="020B0604020202020204" pitchFamily="34" charset="0"/>
+              <a:buNone/>
+              <a:defRPr sz="1600" kern="1200">
+                <a:solidFill>
+                  <a:schemeClr val="tx1"/>
+                </a:solidFill>
+                <a:latin typeface="+mn-lt"/>
+                <a:ea typeface="+mn-ea"/>
+                <a:cs typeface="+mn-cs"/>
+              </a:defRPr>
+            </a:lvl4pPr>
+            <a:lvl5pPr marL="1828800" indent="0" algn="ctr" defTabSz="914400" rtl="0" eaLnBrk="1" latinLnBrk="0" hangingPunct="1">
+              <a:lnSpc>
+                <a:spcPct val="90000"/>
+              </a:lnSpc>
+              <a:spcBef>
+                <a:spcPts val="500"/>
+              </a:spcBef>
+              <a:buFont typeface="Arial" panose="020B0604020202020204" pitchFamily="34" charset="0"/>
+              <a:buNone/>
+              <a:defRPr sz="1600" kern="1200">
+                <a:solidFill>
+                  <a:schemeClr val="tx1"/>
+                </a:solidFill>
+                <a:latin typeface="+mn-lt"/>
+                <a:ea typeface="+mn-ea"/>
+                <a:cs typeface="+mn-cs"/>
+              </a:defRPr>
+            </a:lvl5pPr>
+            <a:lvl6pPr marL="2286000" indent="0" algn="ctr" defTabSz="914400" rtl="0" eaLnBrk="1" latinLnBrk="0" hangingPunct="1">
+              <a:lnSpc>
+                <a:spcPct val="90000"/>
+              </a:lnSpc>
+              <a:spcBef>
+                <a:spcPts val="500"/>
+              </a:spcBef>
+              <a:buFont typeface="Arial" panose="020B0604020202020204" pitchFamily="34" charset="0"/>
+              <a:buNone/>
+              <a:defRPr sz="1600" kern="1200">
+                <a:solidFill>
+                  <a:schemeClr val="tx1"/>
+                </a:solidFill>
+                <a:latin typeface="+mn-lt"/>
+                <a:ea typeface="+mn-ea"/>
+                <a:cs typeface="+mn-cs"/>
+              </a:defRPr>
+            </a:lvl6pPr>
+            <a:lvl7pPr marL="2743200" indent="0" algn="ctr" defTabSz="914400" rtl="0" eaLnBrk="1" latinLnBrk="0" hangingPunct="1">
+              <a:lnSpc>
+                <a:spcPct val="90000"/>
+              </a:lnSpc>
+              <a:spcBef>
+                <a:spcPts val="500"/>
+              </a:spcBef>
+              <a:buFont typeface="Arial" panose="020B0604020202020204" pitchFamily="34" charset="0"/>
+              <a:buNone/>
+              <a:defRPr sz="1600" kern="1200">
+                <a:solidFill>
+                  <a:schemeClr val="tx1"/>
+                </a:solidFill>
+                <a:latin typeface="+mn-lt"/>
+                <a:ea typeface="+mn-ea"/>
+                <a:cs typeface="+mn-cs"/>
+              </a:defRPr>
+            </a:lvl7pPr>
+            <a:lvl8pPr marL="3200400" indent="0" algn="ctr" defTabSz="914400" rtl="0" eaLnBrk="1" latinLnBrk="0" hangingPunct="1">
+              <a:lnSpc>
+                <a:spcPct val="90000"/>
+              </a:lnSpc>
+              <a:spcBef>
+                <a:spcPts val="500"/>
+              </a:spcBef>
+              <a:buFont typeface="Arial" panose="020B0604020202020204" pitchFamily="34" charset="0"/>
+              <a:buNone/>
+              <a:defRPr sz="1600" kern="1200">
+                <a:solidFill>
+                  <a:schemeClr val="tx1"/>
+                </a:solidFill>
+                <a:latin typeface="+mn-lt"/>
+                <a:ea typeface="+mn-ea"/>
+                <a:cs typeface="+mn-cs"/>
+              </a:defRPr>
+            </a:lvl8pPr>
+            <a:lvl9pPr marL="3657600" indent="0" algn="ctr" defTabSz="914400" rtl="0" eaLnBrk="1" latinLnBrk="0" hangingPunct="1">
+              <a:lnSpc>
+                <a:spcPct val="90000"/>
+              </a:lnSpc>
+              <a:spcBef>
+                <a:spcPts val="500"/>
+              </a:spcBef>
+              <a:buFont typeface="Arial" panose="020B0604020202020204" pitchFamily="34" charset="0"/>
+              <a:buNone/>
+              <a:defRPr sz="1600" kern="1200">
+                <a:solidFill>
+                  <a:schemeClr val="tx1"/>
+                </a:solidFill>
+                <a:latin typeface="+mn-lt"/>
+                <a:ea typeface="+mn-ea"/>
+                <a:cs typeface="+mn-cs"/>
+              </a:defRPr>
+            </a:lvl9pPr>
+          </a:lstStyle>
+          <a:p>
+            <a:pPr algn="l"/>
             <a:r>
               <a:rPr lang="de-DE">
                 <a:latin typeface="Arial" panose="020B0604020202020204" pitchFamily="34" charset="0"/>
+                <a:ea typeface="Roboto Light" panose="02000000000000000000" pitchFamily="2" charset="0"/>
                 <a:cs typeface="Arial" panose="020B0604020202020204" pitchFamily="34" charset="0"/>
               </a:rPr>
-              <a:t>hello</a:t>
-            </a:r>
-          </a:p>
-        </p:txBody>
-      </p:sp>
-      <p:sp>
-        <p:nvSpPr>
-          <p:cNvPr id="3" name="Untertitel 2">
-            <a:extLst>
-              <a:ext uri="{FF2B5EF4-FFF2-40B4-BE49-F238E27FC236}">
-                <a16:creationId xmlns:a16="http://schemas.microsoft.com/office/drawing/2014/main" id="{881A56C7-226C-188A-9954-62054774124B}"/>
-              </a:ext>
-            </a:extLst>
-          </p:cNvPr>
-          <p:cNvSpPr>
-            <a:spLocks noGrp="1"/>
-          </p:cNvSpPr>
-          <p:nvPr>
-            <p:ph type="subTitle" idx="1"/>
-          </p:nvPr>
-        </p:nvSpPr>
-        <p:spPr/>
-        <p:txBody>
-          <a:bodyPr/>
-          <a:lstStyle/>
-          <a:p>
-            <a:r>
-              <a:rPr lang="de-DE">
+              <a:t>Arial regular</a:t>
+            </a:r>
+          </a:p>
+          <a:p>
+            <a:pPr algn="l"/>
+            <a:r>
+              <a:rPr lang="de-DE" b="1">
                 <a:latin typeface="Arial" panose="020B0604020202020204" pitchFamily="34" charset="0"/>
+                <a:ea typeface="Roboto Light" panose="02000000000000000000" pitchFamily="2" charset="0"/>
                 <a:cs typeface="Arial" panose="020B0604020202020204" pitchFamily="34" charset="0"/>
               </a:rPr>
-              <a:t>test</a:t>
-            </a:r>
+              <a:t>Arial bold</a:t>
+            </a:r>
+            <a:endParaRPr lang="de-DE" b="1">
+              <a:latin typeface="Arial" panose="020B0604020202020204" pitchFamily="34" charset="0"/>
+              <a:ea typeface="Roboto" panose="02000000000000000000" pitchFamily="2" charset="0"/>
+              <a:cs typeface="Arial" panose="020B0604020202020204" pitchFamily="34" charset="0"/>
+            </a:endParaRPr>
           </a:p>
         </p:txBody>
       </p:sp>
